--- a/figures/Figures.pptx
+++ b/figures/Figures.pptx
@@ -6,6 +6,9 @@
   </p:sldMasterIdLst>
   <p:sldIdLst>
     <p:sldId id="256" r:id="rId2"/>
+    <p:sldId id="257" r:id="rId3"/>
+    <p:sldId id="258" r:id="rId4"/>
+    <p:sldId id="259" r:id="rId5"/>
   </p:sldIdLst>
   <p:sldSz cx="12192000" cy="6858000"/>
   <p:notesSz cx="6858000" cy="9144000"/>
@@ -104,6 +107,11 @@
       </a:defRPr>
     </a:lvl9pPr>
   </p:defaultTextStyle>
+  <p:extLst>
+    <p:ext uri="{EFAFB233-063F-42B5-8137-9DF3F51BA10A}">
+      <p15:sldGuideLst xmlns:p15="http://schemas.microsoft.com/office/powerpoint/2012/main"/>
+    </p:ext>
+  </p:extLst>
 </p:presentation>
 </file>
 
@@ -254,7 +262,7 @@
           <a:p>
             <a:fld id="{96D4C76A-D401-4DA6-AFA0-EF5B8FE08F18}" type="datetimeFigureOut">
               <a:rPr lang="zh-CN" altLang="en-US" smtClean="0"/>
-              <a:t>2024/1/6</a:t>
+              <a:t>2024/1/7</a:t>
             </a:fld>
             <a:endParaRPr lang="zh-CN" altLang="en-US"/>
           </a:p>
@@ -452,7 +460,7 @@
           <a:p>
             <a:fld id="{96D4C76A-D401-4DA6-AFA0-EF5B8FE08F18}" type="datetimeFigureOut">
               <a:rPr lang="zh-CN" altLang="en-US" smtClean="0"/>
-              <a:t>2024/1/6</a:t>
+              <a:t>2024/1/7</a:t>
             </a:fld>
             <a:endParaRPr lang="zh-CN" altLang="en-US"/>
           </a:p>
@@ -660,7 +668,7 @@
           <a:p>
             <a:fld id="{96D4C76A-D401-4DA6-AFA0-EF5B8FE08F18}" type="datetimeFigureOut">
               <a:rPr lang="zh-CN" altLang="en-US" smtClean="0"/>
-              <a:t>2024/1/6</a:t>
+              <a:t>2024/1/7</a:t>
             </a:fld>
             <a:endParaRPr lang="zh-CN" altLang="en-US"/>
           </a:p>
@@ -858,7 +866,7 @@
           <a:p>
             <a:fld id="{96D4C76A-D401-4DA6-AFA0-EF5B8FE08F18}" type="datetimeFigureOut">
               <a:rPr lang="zh-CN" altLang="en-US" smtClean="0"/>
-              <a:t>2024/1/6</a:t>
+              <a:t>2024/1/7</a:t>
             </a:fld>
             <a:endParaRPr lang="zh-CN" altLang="en-US"/>
           </a:p>
@@ -1133,7 +1141,7 @@
           <a:p>
             <a:fld id="{96D4C76A-D401-4DA6-AFA0-EF5B8FE08F18}" type="datetimeFigureOut">
               <a:rPr lang="zh-CN" altLang="en-US" smtClean="0"/>
-              <a:t>2024/1/6</a:t>
+              <a:t>2024/1/7</a:t>
             </a:fld>
             <a:endParaRPr lang="zh-CN" altLang="en-US"/>
           </a:p>
@@ -1398,7 +1406,7 @@
           <a:p>
             <a:fld id="{96D4C76A-D401-4DA6-AFA0-EF5B8FE08F18}" type="datetimeFigureOut">
               <a:rPr lang="zh-CN" altLang="en-US" smtClean="0"/>
-              <a:t>2024/1/6</a:t>
+              <a:t>2024/1/7</a:t>
             </a:fld>
             <a:endParaRPr lang="zh-CN" altLang="en-US"/>
           </a:p>
@@ -1810,7 +1818,7 @@
           <a:p>
             <a:fld id="{96D4C76A-D401-4DA6-AFA0-EF5B8FE08F18}" type="datetimeFigureOut">
               <a:rPr lang="zh-CN" altLang="en-US" smtClean="0"/>
-              <a:t>2024/1/6</a:t>
+              <a:t>2024/1/7</a:t>
             </a:fld>
             <a:endParaRPr lang="zh-CN" altLang="en-US"/>
           </a:p>
@@ -1951,7 +1959,7 @@
           <a:p>
             <a:fld id="{96D4C76A-D401-4DA6-AFA0-EF5B8FE08F18}" type="datetimeFigureOut">
               <a:rPr lang="zh-CN" altLang="en-US" smtClean="0"/>
-              <a:t>2024/1/6</a:t>
+              <a:t>2024/1/7</a:t>
             </a:fld>
             <a:endParaRPr lang="zh-CN" altLang="en-US"/>
           </a:p>
@@ -2064,7 +2072,7 @@
           <a:p>
             <a:fld id="{96D4C76A-D401-4DA6-AFA0-EF5B8FE08F18}" type="datetimeFigureOut">
               <a:rPr lang="zh-CN" altLang="en-US" smtClean="0"/>
-              <a:t>2024/1/6</a:t>
+              <a:t>2024/1/7</a:t>
             </a:fld>
             <a:endParaRPr lang="zh-CN" altLang="en-US"/>
           </a:p>
@@ -2375,7 +2383,7 @@
           <a:p>
             <a:fld id="{96D4C76A-D401-4DA6-AFA0-EF5B8FE08F18}" type="datetimeFigureOut">
               <a:rPr lang="zh-CN" altLang="en-US" smtClean="0"/>
-              <a:t>2024/1/6</a:t>
+              <a:t>2024/1/7</a:t>
             </a:fld>
             <a:endParaRPr lang="zh-CN" altLang="en-US"/>
           </a:p>
@@ -2663,7 +2671,7 @@
           <a:p>
             <a:fld id="{96D4C76A-D401-4DA6-AFA0-EF5B8FE08F18}" type="datetimeFigureOut">
               <a:rPr lang="zh-CN" altLang="en-US" smtClean="0"/>
-              <a:t>2024/1/6</a:t>
+              <a:t>2024/1/7</a:t>
             </a:fld>
             <a:endParaRPr lang="zh-CN" altLang="en-US"/>
           </a:p>
@@ -2904,7 +2912,7 @@
           <a:p>
             <a:fld id="{96D4C76A-D401-4DA6-AFA0-EF5B8FE08F18}" type="datetimeFigureOut">
               <a:rPr lang="zh-CN" altLang="en-US" smtClean="0"/>
-              <a:t>2024/1/6</a:t>
+              <a:t>2024/1/7</a:t>
             </a:fld>
             <a:endParaRPr lang="zh-CN" altLang="en-US"/>
           </a:p>
@@ -3645,8 +3653,8 @@
                 </a:fontRef>
               </p:style>
             </p:cxnSp>
-            <mc:AlternateContent xmlns:mc="http://schemas.openxmlformats.org/markup-compatibility/2006">
-              <mc:Choice xmlns:a14="http://schemas.microsoft.com/office/drawing/2010/main" Requires="a14">
+            <mc:AlternateContent xmlns:mc="http://schemas.openxmlformats.org/markup-compatibility/2006" xmlns:a14="http://schemas.microsoft.com/office/drawing/2010/main">
+              <mc:Choice Requires="a14">
                 <p:sp>
                   <p:nvSpPr>
                     <p:cNvPr id="28" name="文本框 27">
@@ -3675,6 +3683,7 @@
                     </a:bodyPr>
                     <a:lstStyle/>
                     <a:p>
+                      <a:pPr/>
                       <a14:m>
                         <m:oMathPara xmlns:m="http://schemas.openxmlformats.org/officeDocument/2006/math">
                           <m:oMathParaPr>
@@ -3738,7 +3747,7 @@
                   </p:txBody>
                 </p:sp>
               </mc:Choice>
-              <mc:Fallback>
+              <mc:Fallback xmlns="">
                 <p:sp>
                   <p:nvSpPr>
                     <p:cNvPr id="28" name="文本框 27">
@@ -3953,8 +3962,8 @@
             </a:fontRef>
           </p:style>
         </p:cxnSp>
-        <mc:AlternateContent xmlns:mc="http://schemas.openxmlformats.org/markup-compatibility/2006">
-          <mc:Choice xmlns:a14="http://schemas.microsoft.com/office/drawing/2010/main" Requires="a14">
+        <mc:AlternateContent xmlns:mc="http://schemas.openxmlformats.org/markup-compatibility/2006" xmlns:a14="http://schemas.microsoft.com/office/drawing/2010/main">
+          <mc:Choice Requires="a14">
             <p:sp>
               <p:nvSpPr>
                 <p:cNvPr id="46" name="文本框 45">
@@ -3997,16 +4006,7 @@
                             </a:solidFill>
                             <a:latin typeface="Cambria Math" panose="02040503050406030204" pitchFamily="18" charset="0"/>
                           </a:rPr>
-                          <m:t>1.44</m:t>
-                        </m:r>
-                        <m:r>
-                          <a:rPr lang="en-US" altLang="zh-CN" sz="1050" b="0" i="1" smtClean="0">
-                            <a:solidFill>
-                              <a:schemeClr val="accent1"/>
-                            </a:solidFill>
-                            <a:latin typeface="Cambria Math" panose="02040503050406030204" pitchFamily="18" charset="0"/>
-                          </a:rPr>
-                          <m:t> Å</m:t>
+                          <m:t>1.44 Å</m:t>
                         </m:r>
                       </m:oMath>
                     </m:oMathPara>
@@ -4016,7 +4016,7 @@
               </p:txBody>
             </p:sp>
           </mc:Choice>
-          <mc:Fallback>
+          <mc:Fallback xmlns="">
             <p:sp>
               <p:nvSpPr>
                 <p:cNvPr id="46" name="文本框 45">
@@ -4066,6 +4066,657 @@
     <p:extLst>
       <p:ext uri="{BB962C8B-B14F-4D97-AF65-F5344CB8AC3E}">
         <p14:creationId xmlns:p14="http://schemas.microsoft.com/office/powerpoint/2010/main" val="3250964067"/>
+      </p:ext>
+    </p:extLst>
+  </p:cSld>
+  <p:clrMapOvr>
+    <a:masterClrMapping/>
+  </p:clrMapOvr>
+</p:sld>
+</file>
+
+<file path=ppt/slides/slide2.xml><?xml version="1.0" encoding="utf-8"?>
+<p:sld xmlns:a="http://schemas.openxmlformats.org/drawingml/2006/main" xmlns:r="http://schemas.openxmlformats.org/officeDocument/2006/relationships" xmlns:p="http://schemas.openxmlformats.org/presentationml/2006/main">
+  <p:cSld>
+    <p:spTree>
+      <p:nvGrpSpPr>
+        <p:cNvPr id="1" name=""/>
+        <p:cNvGrpSpPr/>
+        <p:nvPr/>
+      </p:nvGrpSpPr>
+      <p:grpSpPr>
+        <a:xfrm>
+          <a:off x="0" y="0"/>
+          <a:ext cx="0" cy="0"/>
+          <a:chOff x="0" y="0"/>
+          <a:chExt cx="0" cy="0"/>
+        </a:xfrm>
+      </p:grpSpPr>
+      <p:grpSp>
+        <p:nvGrpSpPr>
+          <p:cNvPr id="22" name="组合 21">
+            <a:extLst>
+              <a:ext uri="{FF2B5EF4-FFF2-40B4-BE49-F238E27FC236}">
+                <a16:creationId xmlns:a16="http://schemas.microsoft.com/office/drawing/2014/main" id="{CFD37074-7E6C-9CF3-4573-98232E6C1F00}"/>
+              </a:ext>
+            </a:extLst>
+          </p:cNvPr>
+          <p:cNvGrpSpPr/>
+          <p:nvPr/>
+        </p:nvGrpSpPr>
+        <p:grpSpPr>
+          <a:xfrm>
+            <a:off x="2344395" y="1987317"/>
+            <a:ext cx="6781043" cy="2998640"/>
+            <a:chOff x="2344395" y="1987317"/>
+            <a:chExt cx="6781043" cy="2998640"/>
+          </a:xfrm>
+        </p:grpSpPr>
+        <p:pic>
+          <p:nvPicPr>
+            <p:cNvPr id="9" name="图片 8" descr="图标&#10;&#10;中度可信度描述已自动生成">
+              <a:extLst>
+                <a:ext uri="{FF2B5EF4-FFF2-40B4-BE49-F238E27FC236}">
+                  <a16:creationId xmlns:a16="http://schemas.microsoft.com/office/drawing/2014/main" id="{E46BDFAF-693D-F828-E98C-2B5569282841}"/>
+                </a:ext>
+              </a:extLst>
+            </p:cNvPr>
+            <p:cNvPicPr>
+              <a:picLocks noChangeAspect="1"/>
+            </p:cNvPicPr>
+            <p:nvPr/>
+          </p:nvPicPr>
+          <p:blipFill>
+            <a:blip r:embed="rId2">
+              <a:extLst>
+                <a:ext uri="{28A0092B-C50C-407E-A947-70E740481C1C}">
+                  <a14:useLocalDpi xmlns:a14="http://schemas.microsoft.com/office/drawing/2010/main" val="0"/>
+                </a:ext>
+              </a:extLst>
+            </a:blip>
+            <a:stretch>
+              <a:fillRect/>
+            </a:stretch>
+          </p:blipFill>
+          <p:spPr>
+            <a:xfrm>
+              <a:off x="3693337" y="1987317"/>
+              <a:ext cx="5330919" cy="2998640"/>
+            </a:xfrm>
+            <a:prstGeom prst="rect">
+              <a:avLst/>
+            </a:prstGeom>
+          </p:spPr>
+        </p:pic>
+        <p:pic>
+          <p:nvPicPr>
+            <p:cNvPr id="6" name="图片 5" descr="图片包含 图示&#10;&#10;描述已自动生成">
+              <a:extLst>
+                <a:ext uri="{FF2B5EF4-FFF2-40B4-BE49-F238E27FC236}">
+                  <a16:creationId xmlns:a16="http://schemas.microsoft.com/office/drawing/2014/main" id="{902282D8-91E9-92BB-65B2-B6E3D3BACBB1}"/>
+                </a:ext>
+              </a:extLst>
+            </p:cNvPr>
+            <p:cNvPicPr>
+              <a:picLocks noChangeAspect="1"/>
+            </p:cNvPicPr>
+            <p:nvPr/>
+          </p:nvPicPr>
+          <p:blipFill>
+            <a:blip r:embed="rId3">
+              <a:extLst>
+                <a:ext uri="{28A0092B-C50C-407E-A947-70E740481C1C}">
+                  <a14:useLocalDpi xmlns:a14="http://schemas.microsoft.com/office/drawing/2010/main" val="0"/>
+                </a:ext>
+              </a:extLst>
+            </a:blip>
+            <a:stretch>
+              <a:fillRect/>
+            </a:stretch>
+          </p:blipFill>
+          <p:spPr>
+            <a:xfrm>
+              <a:off x="2344395" y="1987317"/>
+              <a:ext cx="2794434" cy="2883366"/>
+            </a:xfrm>
+            <a:prstGeom prst="rect">
+              <a:avLst/>
+            </a:prstGeom>
+          </p:spPr>
+        </p:pic>
+        <p:cxnSp>
+          <p:nvCxnSpPr>
+            <p:cNvPr id="11" name="直接箭头连接符 10">
+              <a:extLst>
+                <a:ext uri="{FF2B5EF4-FFF2-40B4-BE49-F238E27FC236}">
+                  <a16:creationId xmlns:a16="http://schemas.microsoft.com/office/drawing/2014/main" id="{7CB24B24-F019-65B2-3F94-D726A7BD2BA0}"/>
+                </a:ext>
+              </a:extLst>
+            </p:cNvPr>
+            <p:cNvCxnSpPr>
+              <a:cxnSpLocks/>
+            </p:cNvCxnSpPr>
+            <p:nvPr/>
+          </p:nvCxnSpPr>
+          <p:spPr>
+            <a:xfrm flipV="1">
+              <a:off x="7953535" y="2039151"/>
+              <a:ext cx="0" cy="1134256"/>
+            </a:xfrm>
+            <a:prstGeom prst="straightConnector1">
+              <a:avLst/>
+            </a:prstGeom>
+            <a:ln w="41275">
+              <a:solidFill>
+                <a:srgbClr val="92D050"/>
+              </a:solidFill>
+              <a:tailEnd type="triangle"/>
+            </a:ln>
+          </p:spPr>
+          <p:style>
+            <a:lnRef idx="1">
+              <a:schemeClr val="accent1"/>
+            </a:lnRef>
+            <a:fillRef idx="0">
+              <a:schemeClr val="accent1"/>
+            </a:fillRef>
+            <a:effectRef idx="0">
+              <a:schemeClr val="accent1"/>
+            </a:effectRef>
+            <a:fontRef idx="minor">
+              <a:schemeClr val="tx1"/>
+            </a:fontRef>
+          </p:style>
+        </p:cxnSp>
+        <p:sp>
+          <p:nvSpPr>
+            <p:cNvPr id="13" name="文本框 12">
+              <a:extLst>
+                <a:ext uri="{FF2B5EF4-FFF2-40B4-BE49-F238E27FC236}">
+                  <a16:creationId xmlns:a16="http://schemas.microsoft.com/office/drawing/2014/main" id="{ED1C8BF9-A03C-9487-1F63-B293CD10AF0F}"/>
+                </a:ext>
+              </a:extLst>
+            </p:cNvPr>
+            <p:cNvSpPr txBox="1"/>
+            <p:nvPr/>
+          </p:nvSpPr>
+          <p:spPr>
+            <a:xfrm>
+              <a:off x="7953535" y="2344669"/>
+              <a:ext cx="1171903" cy="523220"/>
+            </a:xfrm>
+            <a:prstGeom prst="rect">
+              <a:avLst/>
+            </a:prstGeom>
+            <a:noFill/>
+          </p:spPr>
+          <p:txBody>
+            <a:bodyPr wrap="square" rtlCol="0">
+              <a:spAutoFit/>
+            </a:bodyPr>
+            <a:lstStyle/>
+            <a:p>
+              <a:r>
+                <a:rPr lang="en-US" altLang="zh-CN" sz="2800" b="1" dirty="0">
+                  <a:solidFill>
+                    <a:srgbClr val="92D050"/>
+                  </a:solidFill>
+                  <a:latin typeface="Times New Roman" panose="02020603050405020304" pitchFamily="18" charset="0"/>
+                  <a:cs typeface="Times New Roman" panose="02020603050405020304" pitchFamily="18" charset="0"/>
+                </a:rPr>
+                <a:t>[1 1 1]</a:t>
+              </a:r>
+              <a:endParaRPr lang="zh-CN" altLang="en-US" sz="2800" b="1" dirty="0">
+                <a:solidFill>
+                  <a:srgbClr val="92D050"/>
+                </a:solidFill>
+                <a:latin typeface="Times New Roman" panose="02020603050405020304" pitchFamily="18" charset="0"/>
+                <a:cs typeface="Times New Roman" panose="02020603050405020304" pitchFamily="18" charset="0"/>
+              </a:endParaRPr>
+            </a:p>
+          </p:txBody>
+        </p:sp>
+        <p:cxnSp>
+          <p:nvCxnSpPr>
+            <p:cNvPr id="14" name="直接箭头连接符 13">
+              <a:extLst>
+                <a:ext uri="{FF2B5EF4-FFF2-40B4-BE49-F238E27FC236}">
+                  <a16:creationId xmlns:a16="http://schemas.microsoft.com/office/drawing/2014/main" id="{EF5B81D8-78C7-C2B0-9479-BC40E544A561}"/>
+                </a:ext>
+              </a:extLst>
+            </p:cNvPr>
+            <p:cNvCxnSpPr>
+              <a:cxnSpLocks/>
+            </p:cNvCxnSpPr>
+            <p:nvPr/>
+          </p:nvCxnSpPr>
+          <p:spPr>
+            <a:xfrm flipV="1">
+              <a:off x="3058511" y="3276071"/>
+              <a:ext cx="357281" cy="421131"/>
+            </a:xfrm>
+            <a:prstGeom prst="straightConnector1">
+              <a:avLst/>
+            </a:prstGeom>
+            <a:ln w="41275">
+              <a:solidFill>
+                <a:srgbClr val="92D050"/>
+              </a:solidFill>
+              <a:tailEnd type="triangle"/>
+            </a:ln>
+          </p:spPr>
+          <p:style>
+            <a:lnRef idx="1">
+              <a:schemeClr val="accent1"/>
+            </a:lnRef>
+            <a:fillRef idx="0">
+              <a:schemeClr val="accent1"/>
+            </a:fillRef>
+            <a:effectRef idx="0">
+              <a:schemeClr val="accent1"/>
+            </a:effectRef>
+            <a:fontRef idx="minor">
+              <a:schemeClr val="tx1"/>
+            </a:fontRef>
+          </p:style>
+        </p:cxnSp>
+      </p:grpSp>
+    </p:spTree>
+    <p:extLst>
+      <p:ext uri="{BB962C8B-B14F-4D97-AF65-F5344CB8AC3E}">
+        <p14:creationId xmlns:p14="http://schemas.microsoft.com/office/powerpoint/2010/main" val="3418852557"/>
+      </p:ext>
+    </p:extLst>
+  </p:cSld>
+  <p:clrMapOvr>
+    <a:masterClrMapping/>
+  </p:clrMapOvr>
+</p:sld>
+</file>
+
+<file path=ppt/slides/slide3.xml><?xml version="1.0" encoding="utf-8"?>
+<p:sld xmlns:a="http://schemas.openxmlformats.org/drawingml/2006/main" xmlns:r="http://schemas.openxmlformats.org/officeDocument/2006/relationships" xmlns:p="http://schemas.openxmlformats.org/presentationml/2006/main">
+  <p:cSld>
+    <p:spTree>
+      <p:nvGrpSpPr>
+        <p:cNvPr id="1" name=""/>
+        <p:cNvGrpSpPr/>
+        <p:nvPr/>
+      </p:nvGrpSpPr>
+      <p:grpSpPr>
+        <a:xfrm>
+          <a:off x="0" y="0"/>
+          <a:ext cx="0" cy="0"/>
+          <a:chOff x="0" y="0"/>
+          <a:chExt cx="0" cy="0"/>
+        </a:xfrm>
+      </p:grpSpPr>
+      <p:grpSp>
+        <p:nvGrpSpPr>
+          <p:cNvPr id="7" name="组合 6">
+            <a:extLst>
+              <a:ext uri="{FF2B5EF4-FFF2-40B4-BE49-F238E27FC236}">
+                <a16:creationId xmlns:a16="http://schemas.microsoft.com/office/drawing/2014/main" id="{DF9DBB32-CCFC-1423-AD19-559E3F2EC9B4}"/>
+              </a:ext>
+            </a:extLst>
+          </p:cNvPr>
+          <p:cNvGrpSpPr/>
+          <p:nvPr/>
+        </p:nvGrpSpPr>
+        <p:grpSpPr>
+          <a:xfrm>
+            <a:off x="0" y="456248"/>
+            <a:ext cx="12192000" cy="3312662"/>
+            <a:chOff x="0" y="456248"/>
+            <a:chExt cx="12192000" cy="3312662"/>
+          </a:xfrm>
+        </p:grpSpPr>
+        <p:pic>
+          <p:nvPicPr>
+            <p:cNvPr id="5" name="图片 4" descr="卡通人物&#10;&#10;中度可信度描述已自动生成">
+              <a:extLst>
+                <a:ext uri="{FF2B5EF4-FFF2-40B4-BE49-F238E27FC236}">
+                  <a16:creationId xmlns:a16="http://schemas.microsoft.com/office/drawing/2014/main" id="{C5503F30-04B3-498C-9EEB-45330BDEBAF7}"/>
+                </a:ext>
+              </a:extLst>
+            </p:cNvPr>
+            <p:cNvPicPr>
+              <a:picLocks noChangeAspect="1"/>
+            </p:cNvPicPr>
+            <p:nvPr/>
+          </p:nvPicPr>
+          <p:blipFill rotWithShape="1">
+            <a:blip r:embed="rId2">
+              <a:extLst>
+                <a:ext uri="{28A0092B-C50C-407E-A947-70E740481C1C}">
+                  <a14:useLocalDpi xmlns:a14="http://schemas.microsoft.com/office/drawing/2010/main" val="0"/>
+                </a:ext>
+              </a:extLst>
+            </a:blip>
+            <a:srcRect b="88935"/>
+            <a:stretch/>
+          </p:blipFill>
+          <p:spPr>
+            <a:xfrm>
+              <a:off x="0" y="456248"/>
+              <a:ext cx="12192000" cy="657849"/>
+            </a:xfrm>
+            <a:prstGeom prst="rect">
+              <a:avLst/>
+            </a:prstGeom>
+          </p:spPr>
+        </p:pic>
+        <p:pic>
+          <p:nvPicPr>
+            <p:cNvPr id="6" name="图片 5" descr="卡通人物&#10;&#10;中度可信度描述已自动生成">
+              <a:extLst>
+                <a:ext uri="{FF2B5EF4-FFF2-40B4-BE49-F238E27FC236}">
+                  <a16:creationId xmlns:a16="http://schemas.microsoft.com/office/drawing/2014/main" id="{E6006595-978A-9B98-CE8D-FC5157F2D07A}"/>
+                </a:ext>
+              </a:extLst>
+            </p:cNvPr>
+            <p:cNvPicPr>
+              <a:picLocks noChangeAspect="1"/>
+            </p:cNvPicPr>
+            <p:nvPr/>
+          </p:nvPicPr>
+          <p:blipFill rotWithShape="1">
+            <a:blip r:embed="rId2">
+              <a:extLst>
+                <a:ext uri="{28A0092B-C50C-407E-A947-70E740481C1C}">
+                  <a14:useLocalDpi xmlns:a14="http://schemas.microsoft.com/office/drawing/2010/main" val="0"/>
+                </a:ext>
+              </a:extLst>
+            </a:blip>
+            <a:srcRect t="55348"/>
+            <a:stretch/>
+          </p:blipFill>
+          <p:spPr>
+            <a:xfrm>
+              <a:off x="0" y="1114097"/>
+              <a:ext cx="12192000" cy="2654813"/>
+            </a:xfrm>
+            <a:prstGeom prst="rect">
+              <a:avLst/>
+            </a:prstGeom>
+          </p:spPr>
+        </p:pic>
+      </p:grpSp>
+    </p:spTree>
+    <p:extLst>
+      <p:ext uri="{BB962C8B-B14F-4D97-AF65-F5344CB8AC3E}">
+        <p14:creationId xmlns:p14="http://schemas.microsoft.com/office/powerpoint/2010/main" val="50340026"/>
+      </p:ext>
+    </p:extLst>
+  </p:cSld>
+  <p:clrMapOvr>
+    <a:masterClrMapping/>
+  </p:clrMapOvr>
+</p:sld>
+</file>
+
+<file path=ppt/slides/slide4.xml><?xml version="1.0" encoding="utf-8"?>
+<p:sld xmlns:a="http://schemas.openxmlformats.org/drawingml/2006/main" xmlns:r="http://schemas.openxmlformats.org/officeDocument/2006/relationships" xmlns:p="http://schemas.openxmlformats.org/presentationml/2006/main">
+  <p:cSld>
+    <p:spTree>
+      <p:nvGrpSpPr>
+        <p:cNvPr id="1" name=""/>
+        <p:cNvGrpSpPr/>
+        <p:nvPr/>
+      </p:nvGrpSpPr>
+      <p:grpSpPr>
+        <a:xfrm>
+          <a:off x="0" y="0"/>
+          <a:ext cx="0" cy="0"/>
+          <a:chOff x="0" y="0"/>
+          <a:chExt cx="0" cy="0"/>
+        </a:xfrm>
+      </p:grpSpPr>
+      <p:grpSp>
+        <p:nvGrpSpPr>
+          <p:cNvPr id="14" name="组合 13">
+            <a:extLst>
+              <a:ext uri="{FF2B5EF4-FFF2-40B4-BE49-F238E27FC236}">
+                <a16:creationId xmlns:a16="http://schemas.microsoft.com/office/drawing/2014/main" id="{505C1F0D-D886-2406-AF13-EDD5E1C0257E}"/>
+              </a:ext>
+            </a:extLst>
+          </p:cNvPr>
+          <p:cNvGrpSpPr/>
+          <p:nvPr/>
+        </p:nvGrpSpPr>
+        <p:grpSpPr>
+          <a:xfrm>
+            <a:off x="483160" y="525753"/>
+            <a:ext cx="11973857" cy="5486163"/>
+            <a:chOff x="483160" y="525753"/>
+            <a:chExt cx="11973857" cy="5486163"/>
+          </a:xfrm>
+        </p:grpSpPr>
+        <p:pic>
+          <p:nvPicPr>
+            <p:cNvPr id="5" name="图片 4" descr="图表, 折线图&#10;&#10;描述已自动生成">
+              <a:extLst>
+                <a:ext uri="{FF2B5EF4-FFF2-40B4-BE49-F238E27FC236}">
+                  <a16:creationId xmlns:a16="http://schemas.microsoft.com/office/drawing/2014/main" id="{7A7CAA20-5261-1A2C-1B5B-EF49A7586E6D}"/>
+                </a:ext>
+              </a:extLst>
+            </p:cNvPr>
+            <p:cNvPicPr>
+              <a:picLocks noChangeAspect="1"/>
+            </p:cNvPicPr>
+            <p:nvPr/>
+          </p:nvPicPr>
+          <p:blipFill>
+            <a:blip r:embed="rId2">
+              <a:extLst>
+                <a:ext uri="{28A0092B-C50C-407E-A947-70E740481C1C}">
+                  <a14:useLocalDpi xmlns:a14="http://schemas.microsoft.com/office/drawing/2010/main" val="0"/>
+                </a:ext>
+              </a:extLst>
+            </a:blip>
+            <a:stretch>
+              <a:fillRect/>
+            </a:stretch>
+          </p:blipFill>
+          <p:spPr>
+            <a:xfrm>
+              <a:off x="483160" y="525753"/>
+              <a:ext cx="11973857" cy="5486163"/>
+            </a:xfrm>
+            <a:prstGeom prst="rect">
+              <a:avLst/>
+            </a:prstGeom>
+          </p:spPr>
+        </p:pic>
+        <p:cxnSp>
+          <p:nvCxnSpPr>
+            <p:cNvPr id="7" name="直接连接符 6">
+              <a:extLst>
+                <a:ext uri="{FF2B5EF4-FFF2-40B4-BE49-F238E27FC236}">
+                  <a16:creationId xmlns:a16="http://schemas.microsoft.com/office/drawing/2014/main" id="{E765184B-FD40-2982-B3EF-496FD7AF5D8F}"/>
+                </a:ext>
+              </a:extLst>
+            </p:cNvPr>
+            <p:cNvCxnSpPr>
+              <a:cxnSpLocks/>
+            </p:cNvCxnSpPr>
+            <p:nvPr/>
+          </p:nvCxnSpPr>
+          <p:spPr>
+            <a:xfrm>
+              <a:off x="5129048" y="2879835"/>
+              <a:ext cx="0" cy="2186151"/>
+            </a:xfrm>
+            <a:prstGeom prst="line">
+              <a:avLst/>
+            </a:prstGeom>
+            <a:ln w="38100">
+              <a:solidFill>
+                <a:srgbClr val="FF0000"/>
+              </a:solidFill>
+              <a:prstDash val="sysDash"/>
+            </a:ln>
+          </p:spPr>
+          <p:style>
+            <a:lnRef idx="1">
+              <a:schemeClr val="accent1"/>
+            </a:lnRef>
+            <a:fillRef idx="0">
+              <a:schemeClr val="accent1"/>
+            </a:fillRef>
+            <a:effectRef idx="0">
+              <a:schemeClr val="accent1"/>
+            </a:effectRef>
+            <a:fontRef idx="minor">
+              <a:schemeClr val="tx1"/>
+            </a:fontRef>
+          </p:style>
+        </p:cxnSp>
+        <p:sp>
+          <p:nvSpPr>
+            <p:cNvPr id="10" name="文本框 9">
+              <a:extLst>
+                <a:ext uri="{FF2B5EF4-FFF2-40B4-BE49-F238E27FC236}">
+                  <a16:creationId xmlns:a16="http://schemas.microsoft.com/office/drawing/2014/main" id="{3BD4099B-9B3A-4A54-D07A-90584062EB89}"/>
+                </a:ext>
+              </a:extLst>
+            </p:cNvPr>
+            <p:cNvSpPr txBox="1"/>
+            <p:nvPr/>
+          </p:nvSpPr>
+          <p:spPr>
+            <a:xfrm>
+              <a:off x="4571042" y="2291650"/>
+              <a:ext cx="1116011" cy="461665"/>
+            </a:xfrm>
+            <a:prstGeom prst="rect">
+              <a:avLst/>
+            </a:prstGeom>
+            <a:noFill/>
+          </p:spPr>
+          <p:txBody>
+            <a:bodyPr wrap="none" rtlCol="0">
+              <a:spAutoFit/>
+            </a:bodyPr>
+            <a:lstStyle/>
+            <a:p>
+              <a:r>
+                <a:rPr lang="en-US" altLang="zh-CN" sz="2400" dirty="0">
+                  <a:solidFill>
+                    <a:srgbClr val="FF0000"/>
+                  </a:solidFill>
+                  <a:latin typeface="Times New Roman" panose="02020603050405020304" pitchFamily="18" charset="0"/>
+                  <a:cs typeface="Times New Roman" panose="02020603050405020304" pitchFamily="18" charset="0"/>
+                </a:rPr>
+                <a:t>637 nm</a:t>
+              </a:r>
+              <a:endParaRPr lang="zh-CN" altLang="en-US" sz="2400" dirty="0">
+                <a:solidFill>
+                  <a:srgbClr val="FF0000"/>
+                </a:solidFill>
+                <a:latin typeface="Times New Roman" panose="02020603050405020304" pitchFamily="18" charset="0"/>
+                <a:cs typeface="Times New Roman" panose="02020603050405020304" pitchFamily="18" charset="0"/>
+              </a:endParaRPr>
+            </a:p>
+          </p:txBody>
+        </p:sp>
+        <p:cxnSp>
+          <p:nvCxnSpPr>
+            <p:cNvPr id="11" name="直接连接符 10">
+              <a:extLst>
+                <a:ext uri="{FF2B5EF4-FFF2-40B4-BE49-F238E27FC236}">
+                  <a16:creationId xmlns:a16="http://schemas.microsoft.com/office/drawing/2014/main" id="{7D931065-B921-624A-8DED-88F25FA455AE}"/>
+                </a:ext>
+              </a:extLst>
+            </p:cNvPr>
+            <p:cNvCxnSpPr>
+              <a:cxnSpLocks/>
+            </p:cNvCxnSpPr>
+            <p:nvPr/>
+          </p:nvCxnSpPr>
+          <p:spPr>
+            <a:xfrm>
+              <a:off x="2443655" y="2522483"/>
+              <a:ext cx="0" cy="2543503"/>
+            </a:xfrm>
+            <a:prstGeom prst="line">
+              <a:avLst/>
+            </a:prstGeom>
+            <a:ln w="38100">
+              <a:solidFill>
+                <a:srgbClr val="0203F3"/>
+              </a:solidFill>
+              <a:prstDash val="sysDash"/>
+            </a:ln>
+          </p:spPr>
+          <p:style>
+            <a:lnRef idx="1">
+              <a:schemeClr val="accent1"/>
+            </a:lnRef>
+            <a:fillRef idx="0">
+              <a:schemeClr val="accent1"/>
+            </a:fillRef>
+            <a:effectRef idx="0">
+              <a:schemeClr val="accent1"/>
+            </a:effectRef>
+            <a:fontRef idx="minor">
+              <a:schemeClr val="tx1"/>
+            </a:fontRef>
+          </p:style>
+        </p:cxnSp>
+        <p:sp>
+          <p:nvSpPr>
+            <p:cNvPr id="13" name="文本框 12">
+              <a:extLst>
+                <a:ext uri="{FF2B5EF4-FFF2-40B4-BE49-F238E27FC236}">
+                  <a16:creationId xmlns:a16="http://schemas.microsoft.com/office/drawing/2014/main" id="{37020C41-2A40-1A70-1084-AEE395ECA476}"/>
+                </a:ext>
+              </a:extLst>
+            </p:cNvPr>
+            <p:cNvSpPr txBox="1"/>
+            <p:nvPr/>
+          </p:nvSpPr>
+          <p:spPr>
+            <a:xfrm>
+              <a:off x="1963395" y="2027778"/>
+              <a:ext cx="1116011" cy="461665"/>
+            </a:xfrm>
+            <a:prstGeom prst="rect">
+              <a:avLst/>
+            </a:prstGeom>
+            <a:noFill/>
+          </p:spPr>
+          <p:txBody>
+            <a:bodyPr wrap="none" rtlCol="0">
+              <a:spAutoFit/>
+            </a:bodyPr>
+            <a:lstStyle/>
+            <a:p>
+              <a:r>
+                <a:rPr lang="en-US" altLang="zh-CN" sz="2400" dirty="0">
+                  <a:solidFill>
+                    <a:srgbClr val="0203F3"/>
+                  </a:solidFill>
+                  <a:latin typeface="Times New Roman" panose="02020603050405020304" pitchFamily="18" charset="0"/>
+                  <a:cs typeface="Times New Roman" panose="02020603050405020304" pitchFamily="18" charset="0"/>
+                </a:rPr>
+                <a:t>575 nm</a:t>
+              </a:r>
+              <a:endParaRPr lang="zh-CN" altLang="en-US" sz="2400" dirty="0">
+                <a:solidFill>
+                  <a:srgbClr val="0203F3"/>
+                </a:solidFill>
+                <a:latin typeface="Times New Roman" panose="02020603050405020304" pitchFamily="18" charset="0"/>
+                <a:cs typeface="Times New Roman" panose="02020603050405020304" pitchFamily="18" charset="0"/>
+              </a:endParaRPr>
+            </a:p>
+          </p:txBody>
+        </p:sp>
+      </p:grpSp>
+    </p:spTree>
+    <p:extLst>
+      <p:ext uri="{BB962C8B-B14F-4D97-AF65-F5344CB8AC3E}">
+        <p14:creationId xmlns:p14="http://schemas.microsoft.com/office/powerpoint/2010/main" val="2612458319"/>
       </p:ext>
     </p:extLst>
   </p:cSld>

--- a/figures/Figures.pptx
+++ b/figures/Figures.pptx
@@ -262,7 +262,7 @@
           <a:p>
             <a:fld id="{96D4C76A-D401-4DA6-AFA0-EF5B8FE08F18}" type="datetimeFigureOut">
               <a:rPr lang="zh-CN" altLang="en-US" smtClean="0"/>
-              <a:t>2024/1/7</a:t>
+              <a:t>2024/1/9</a:t>
             </a:fld>
             <a:endParaRPr lang="zh-CN" altLang="en-US"/>
           </a:p>
@@ -460,7 +460,7 @@
           <a:p>
             <a:fld id="{96D4C76A-D401-4DA6-AFA0-EF5B8FE08F18}" type="datetimeFigureOut">
               <a:rPr lang="zh-CN" altLang="en-US" smtClean="0"/>
-              <a:t>2024/1/7</a:t>
+              <a:t>2024/1/9</a:t>
             </a:fld>
             <a:endParaRPr lang="zh-CN" altLang="en-US"/>
           </a:p>
@@ -668,7 +668,7 @@
           <a:p>
             <a:fld id="{96D4C76A-D401-4DA6-AFA0-EF5B8FE08F18}" type="datetimeFigureOut">
               <a:rPr lang="zh-CN" altLang="en-US" smtClean="0"/>
-              <a:t>2024/1/7</a:t>
+              <a:t>2024/1/9</a:t>
             </a:fld>
             <a:endParaRPr lang="zh-CN" altLang="en-US"/>
           </a:p>
@@ -866,7 +866,7 @@
           <a:p>
             <a:fld id="{96D4C76A-D401-4DA6-AFA0-EF5B8FE08F18}" type="datetimeFigureOut">
               <a:rPr lang="zh-CN" altLang="en-US" smtClean="0"/>
-              <a:t>2024/1/7</a:t>
+              <a:t>2024/1/9</a:t>
             </a:fld>
             <a:endParaRPr lang="zh-CN" altLang="en-US"/>
           </a:p>
@@ -1141,7 +1141,7 @@
           <a:p>
             <a:fld id="{96D4C76A-D401-4DA6-AFA0-EF5B8FE08F18}" type="datetimeFigureOut">
               <a:rPr lang="zh-CN" altLang="en-US" smtClean="0"/>
-              <a:t>2024/1/7</a:t>
+              <a:t>2024/1/9</a:t>
             </a:fld>
             <a:endParaRPr lang="zh-CN" altLang="en-US"/>
           </a:p>
@@ -1406,7 +1406,7 @@
           <a:p>
             <a:fld id="{96D4C76A-D401-4DA6-AFA0-EF5B8FE08F18}" type="datetimeFigureOut">
               <a:rPr lang="zh-CN" altLang="en-US" smtClean="0"/>
-              <a:t>2024/1/7</a:t>
+              <a:t>2024/1/9</a:t>
             </a:fld>
             <a:endParaRPr lang="zh-CN" altLang="en-US"/>
           </a:p>
@@ -1818,7 +1818,7 @@
           <a:p>
             <a:fld id="{96D4C76A-D401-4DA6-AFA0-EF5B8FE08F18}" type="datetimeFigureOut">
               <a:rPr lang="zh-CN" altLang="en-US" smtClean="0"/>
-              <a:t>2024/1/7</a:t>
+              <a:t>2024/1/9</a:t>
             </a:fld>
             <a:endParaRPr lang="zh-CN" altLang="en-US"/>
           </a:p>
@@ -1959,7 +1959,7 @@
           <a:p>
             <a:fld id="{96D4C76A-D401-4DA6-AFA0-EF5B8FE08F18}" type="datetimeFigureOut">
               <a:rPr lang="zh-CN" altLang="en-US" smtClean="0"/>
-              <a:t>2024/1/7</a:t>
+              <a:t>2024/1/9</a:t>
             </a:fld>
             <a:endParaRPr lang="zh-CN" altLang="en-US"/>
           </a:p>
@@ -2072,7 +2072,7 @@
           <a:p>
             <a:fld id="{96D4C76A-D401-4DA6-AFA0-EF5B8FE08F18}" type="datetimeFigureOut">
               <a:rPr lang="zh-CN" altLang="en-US" smtClean="0"/>
-              <a:t>2024/1/7</a:t>
+              <a:t>2024/1/9</a:t>
             </a:fld>
             <a:endParaRPr lang="zh-CN" altLang="en-US"/>
           </a:p>
@@ -2383,7 +2383,7 @@
           <a:p>
             <a:fld id="{96D4C76A-D401-4DA6-AFA0-EF5B8FE08F18}" type="datetimeFigureOut">
               <a:rPr lang="zh-CN" altLang="en-US" smtClean="0"/>
-              <a:t>2024/1/7</a:t>
+              <a:t>2024/1/9</a:t>
             </a:fld>
             <a:endParaRPr lang="zh-CN" altLang="en-US"/>
           </a:p>
@@ -2671,7 +2671,7 @@
           <a:p>
             <a:fld id="{96D4C76A-D401-4DA6-AFA0-EF5B8FE08F18}" type="datetimeFigureOut">
               <a:rPr lang="zh-CN" altLang="en-US" smtClean="0"/>
-              <a:t>2024/1/7</a:t>
+              <a:t>2024/1/9</a:t>
             </a:fld>
             <a:endParaRPr lang="zh-CN" altLang="en-US"/>
           </a:p>
@@ -2912,7 +2912,7 @@
           <a:p>
             <a:fld id="{96D4C76A-D401-4DA6-AFA0-EF5B8FE08F18}" type="datetimeFigureOut">
               <a:rPr lang="zh-CN" altLang="en-US" smtClean="0"/>
-              <a:t>2024/1/7</a:t>
+              <a:t>2024/1/9</a:t>
             </a:fld>
             <a:endParaRPr lang="zh-CN" altLang="en-US"/>
           </a:p>
@@ -4474,10 +4474,10 @@
       </p:grpSpPr>
       <p:grpSp>
         <p:nvGrpSpPr>
-          <p:cNvPr id="14" name="组合 13">
-            <a:extLst>
-              <a:ext uri="{FF2B5EF4-FFF2-40B4-BE49-F238E27FC236}">
-                <a16:creationId xmlns:a16="http://schemas.microsoft.com/office/drawing/2014/main" id="{505C1F0D-D886-2406-AF13-EDD5E1C0257E}"/>
+          <p:cNvPr id="3" name="组合 2">
+            <a:extLst>
+              <a:ext uri="{FF2B5EF4-FFF2-40B4-BE49-F238E27FC236}">
+                <a16:creationId xmlns:a16="http://schemas.microsoft.com/office/drawing/2014/main" id="{A9C20672-677D-770E-71A3-719903341775}"/>
               </a:ext>
             </a:extLst>
           </p:cNvPr>
@@ -4486,229 +4486,302 @@
         </p:nvGrpSpPr>
         <p:grpSpPr>
           <a:xfrm>
-            <a:off x="483160" y="525753"/>
-            <a:ext cx="11973857" cy="5486163"/>
-            <a:chOff x="483160" y="525753"/>
-            <a:chExt cx="11973857" cy="5486163"/>
+            <a:off x="422031" y="525753"/>
+            <a:ext cx="12034986" cy="5486163"/>
+            <a:chOff x="422031" y="525753"/>
+            <a:chExt cx="12034986" cy="5486163"/>
           </a:xfrm>
         </p:grpSpPr>
-        <p:pic>
-          <p:nvPicPr>
-            <p:cNvPr id="5" name="图片 4" descr="图表, 折线图&#10;&#10;描述已自动生成">
+        <p:grpSp>
+          <p:nvGrpSpPr>
+            <p:cNvPr id="14" name="组合 13">
               <a:extLst>
                 <a:ext uri="{FF2B5EF4-FFF2-40B4-BE49-F238E27FC236}">
-                  <a16:creationId xmlns:a16="http://schemas.microsoft.com/office/drawing/2014/main" id="{7A7CAA20-5261-1A2C-1B5B-EF49A7586E6D}"/>
+                  <a16:creationId xmlns:a16="http://schemas.microsoft.com/office/drawing/2014/main" id="{505C1F0D-D886-2406-AF13-EDD5E1C0257E}"/>
                 </a:ext>
               </a:extLst>
             </p:cNvPr>
-            <p:cNvPicPr>
-              <a:picLocks noChangeAspect="1"/>
-            </p:cNvPicPr>
+            <p:cNvGrpSpPr/>
             <p:nvPr/>
-          </p:nvPicPr>
-          <p:blipFill>
-            <a:blip r:embed="rId2">
-              <a:extLst>
-                <a:ext uri="{28A0092B-C50C-407E-A947-70E740481C1C}">
-                  <a14:useLocalDpi xmlns:a14="http://schemas.microsoft.com/office/drawing/2010/main" val="0"/>
-                </a:ext>
-              </a:extLst>
-            </a:blip>
-            <a:stretch>
-              <a:fillRect/>
-            </a:stretch>
-          </p:blipFill>
-          <p:spPr>
+          </p:nvGrpSpPr>
+          <p:grpSpPr>
             <a:xfrm>
               <a:off x="483160" y="525753"/>
               <a:ext cx="11973857" cy="5486163"/>
+              <a:chOff x="483160" y="525753"/>
+              <a:chExt cx="11973857" cy="5486163"/>
+            </a:xfrm>
+          </p:grpSpPr>
+          <p:pic>
+            <p:nvPicPr>
+              <p:cNvPr id="5" name="图片 4" descr="图表, 折线图&#10;&#10;描述已自动生成">
+                <a:extLst>
+                  <a:ext uri="{FF2B5EF4-FFF2-40B4-BE49-F238E27FC236}">
+                    <a16:creationId xmlns:a16="http://schemas.microsoft.com/office/drawing/2014/main" id="{7A7CAA20-5261-1A2C-1B5B-EF49A7586E6D}"/>
+                  </a:ext>
+                </a:extLst>
+              </p:cNvPr>
+              <p:cNvPicPr>
+                <a:picLocks noChangeAspect="1"/>
+              </p:cNvPicPr>
+              <p:nvPr/>
+            </p:nvPicPr>
+            <p:blipFill>
+              <a:blip r:embed="rId2">
+                <a:extLst>
+                  <a:ext uri="{28A0092B-C50C-407E-A947-70E740481C1C}">
+                    <a14:useLocalDpi xmlns:a14="http://schemas.microsoft.com/office/drawing/2010/main" val="0"/>
+                  </a:ext>
+                </a:extLst>
+              </a:blip>
+              <a:stretch>
+                <a:fillRect/>
+              </a:stretch>
+            </p:blipFill>
+            <p:spPr>
+              <a:xfrm>
+                <a:off x="483160" y="525753"/>
+                <a:ext cx="11973857" cy="5486163"/>
+              </a:xfrm>
+              <a:prstGeom prst="rect">
+                <a:avLst/>
+              </a:prstGeom>
+            </p:spPr>
+          </p:pic>
+          <p:cxnSp>
+            <p:nvCxnSpPr>
+              <p:cNvPr id="7" name="直接连接符 6">
+                <a:extLst>
+                  <a:ext uri="{FF2B5EF4-FFF2-40B4-BE49-F238E27FC236}">
+                    <a16:creationId xmlns:a16="http://schemas.microsoft.com/office/drawing/2014/main" id="{E765184B-FD40-2982-B3EF-496FD7AF5D8F}"/>
+                  </a:ext>
+                </a:extLst>
+              </p:cNvPr>
+              <p:cNvCxnSpPr>
+                <a:cxnSpLocks/>
+              </p:cNvCxnSpPr>
+              <p:nvPr/>
+            </p:nvCxnSpPr>
+            <p:spPr>
+              <a:xfrm>
+                <a:off x="5129048" y="2879835"/>
+                <a:ext cx="0" cy="2186151"/>
+              </a:xfrm>
+              <a:prstGeom prst="line">
+                <a:avLst/>
+              </a:prstGeom>
+              <a:ln w="38100">
+                <a:solidFill>
+                  <a:srgbClr val="FF0000"/>
+                </a:solidFill>
+                <a:prstDash val="sysDash"/>
+              </a:ln>
+            </p:spPr>
+            <p:style>
+              <a:lnRef idx="1">
+                <a:schemeClr val="accent1"/>
+              </a:lnRef>
+              <a:fillRef idx="0">
+                <a:schemeClr val="accent1"/>
+              </a:fillRef>
+              <a:effectRef idx="0">
+                <a:schemeClr val="accent1"/>
+              </a:effectRef>
+              <a:fontRef idx="minor">
+                <a:schemeClr val="tx1"/>
+              </a:fontRef>
+            </p:style>
+          </p:cxnSp>
+          <p:sp>
+            <p:nvSpPr>
+              <p:cNvPr id="10" name="文本框 9">
+                <a:extLst>
+                  <a:ext uri="{FF2B5EF4-FFF2-40B4-BE49-F238E27FC236}">
+                    <a16:creationId xmlns:a16="http://schemas.microsoft.com/office/drawing/2014/main" id="{3BD4099B-9B3A-4A54-D07A-90584062EB89}"/>
+                  </a:ext>
+                </a:extLst>
+              </p:cNvPr>
+              <p:cNvSpPr txBox="1"/>
+              <p:nvPr/>
+            </p:nvSpPr>
+            <p:spPr>
+              <a:xfrm>
+                <a:off x="4571042" y="2291650"/>
+                <a:ext cx="1116011" cy="461665"/>
+              </a:xfrm>
+              <a:prstGeom prst="rect">
+                <a:avLst/>
+              </a:prstGeom>
+              <a:noFill/>
+            </p:spPr>
+            <p:txBody>
+              <a:bodyPr wrap="none" rtlCol="0">
+                <a:spAutoFit/>
+              </a:bodyPr>
+              <a:lstStyle/>
+              <a:p>
+                <a:r>
+                  <a:rPr lang="en-US" altLang="zh-CN" sz="2400" dirty="0">
+                    <a:solidFill>
+                      <a:srgbClr val="FF0000"/>
+                    </a:solidFill>
+                    <a:latin typeface="Times New Roman" panose="02020603050405020304" pitchFamily="18" charset="0"/>
+                    <a:cs typeface="Times New Roman" panose="02020603050405020304" pitchFamily="18" charset="0"/>
+                  </a:rPr>
+                  <a:t>637 nm</a:t>
+                </a:r>
+                <a:endParaRPr lang="zh-CN" altLang="en-US" sz="2400" dirty="0">
+                  <a:solidFill>
+                    <a:srgbClr val="FF0000"/>
+                  </a:solidFill>
+                  <a:latin typeface="Times New Roman" panose="02020603050405020304" pitchFamily="18" charset="0"/>
+                  <a:cs typeface="Times New Roman" panose="02020603050405020304" pitchFamily="18" charset="0"/>
+                </a:endParaRPr>
+              </a:p>
+            </p:txBody>
+          </p:sp>
+          <p:cxnSp>
+            <p:nvCxnSpPr>
+              <p:cNvPr id="11" name="直接连接符 10">
+                <a:extLst>
+                  <a:ext uri="{FF2B5EF4-FFF2-40B4-BE49-F238E27FC236}">
+                    <a16:creationId xmlns:a16="http://schemas.microsoft.com/office/drawing/2014/main" id="{7D931065-B921-624A-8DED-88F25FA455AE}"/>
+                  </a:ext>
+                </a:extLst>
+              </p:cNvPr>
+              <p:cNvCxnSpPr>
+                <a:cxnSpLocks/>
+              </p:cNvCxnSpPr>
+              <p:nvPr/>
+            </p:nvCxnSpPr>
+            <p:spPr>
+              <a:xfrm>
+                <a:off x="2443655" y="2522483"/>
+                <a:ext cx="0" cy="2543503"/>
+              </a:xfrm>
+              <a:prstGeom prst="line">
+                <a:avLst/>
+              </a:prstGeom>
+              <a:ln w="38100">
+                <a:solidFill>
+                  <a:srgbClr val="0203F3"/>
+                </a:solidFill>
+                <a:prstDash val="sysDash"/>
+              </a:ln>
+            </p:spPr>
+            <p:style>
+              <a:lnRef idx="1">
+                <a:schemeClr val="accent1"/>
+              </a:lnRef>
+              <a:fillRef idx="0">
+                <a:schemeClr val="accent1"/>
+              </a:fillRef>
+              <a:effectRef idx="0">
+                <a:schemeClr val="accent1"/>
+              </a:effectRef>
+              <a:fontRef idx="minor">
+                <a:schemeClr val="tx1"/>
+              </a:fontRef>
+            </p:style>
+          </p:cxnSp>
+          <p:sp>
+            <p:nvSpPr>
+              <p:cNvPr id="13" name="文本框 12">
+                <a:extLst>
+                  <a:ext uri="{FF2B5EF4-FFF2-40B4-BE49-F238E27FC236}">
+                    <a16:creationId xmlns:a16="http://schemas.microsoft.com/office/drawing/2014/main" id="{37020C41-2A40-1A70-1084-AEE395ECA476}"/>
+                  </a:ext>
+                </a:extLst>
+              </p:cNvPr>
+              <p:cNvSpPr txBox="1"/>
+              <p:nvPr/>
+            </p:nvSpPr>
+            <p:spPr>
+              <a:xfrm>
+                <a:off x="1963395" y="2027778"/>
+                <a:ext cx="1116011" cy="461665"/>
+              </a:xfrm>
+              <a:prstGeom prst="rect">
+                <a:avLst/>
+              </a:prstGeom>
+              <a:noFill/>
+            </p:spPr>
+            <p:txBody>
+              <a:bodyPr wrap="none" rtlCol="0">
+                <a:spAutoFit/>
+              </a:bodyPr>
+              <a:lstStyle/>
+              <a:p>
+                <a:r>
+                  <a:rPr lang="en-US" altLang="zh-CN" sz="2400" dirty="0">
+                    <a:solidFill>
+                      <a:srgbClr val="0203F3"/>
+                    </a:solidFill>
+                    <a:latin typeface="Times New Roman" panose="02020603050405020304" pitchFamily="18" charset="0"/>
+                    <a:cs typeface="Times New Roman" panose="02020603050405020304" pitchFamily="18" charset="0"/>
+                  </a:rPr>
+                  <a:t>575 nm</a:t>
+                </a:r>
+                <a:endParaRPr lang="zh-CN" altLang="en-US" sz="2400" dirty="0">
+                  <a:solidFill>
+                    <a:srgbClr val="0203F3"/>
+                  </a:solidFill>
+                  <a:latin typeface="Times New Roman" panose="02020603050405020304" pitchFamily="18" charset="0"/>
+                  <a:cs typeface="Times New Roman" panose="02020603050405020304" pitchFamily="18" charset="0"/>
+                </a:endParaRPr>
+              </a:p>
+            </p:txBody>
+          </p:sp>
+        </p:grpSp>
+        <p:sp>
+          <p:nvSpPr>
+            <p:cNvPr id="2" name="矩形 1">
+              <a:extLst>
+                <a:ext uri="{FF2B5EF4-FFF2-40B4-BE49-F238E27FC236}">
+                  <a16:creationId xmlns:a16="http://schemas.microsoft.com/office/drawing/2014/main" id="{09B98530-9C27-E1B3-6FF8-6B0666CB0903}"/>
+                </a:ext>
+              </a:extLst>
+            </p:cNvPr>
+            <p:cNvSpPr/>
+            <p:nvPr/>
+          </p:nvSpPr>
+          <p:spPr>
+            <a:xfrm>
+              <a:off x="422031" y="670920"/>
+              <a:ext cx="584350" cy="611403"/>
             </a:xfrm>
             <a:prstGeom prst="rect">
               <a:avLst/>
             </a:prstGeom>
-          </p:spPr>
-        </p:pic>
-        <p:cxnSp>
-          <p:nvCxnSpPr>
-            <p:cNvPr id="7" name="直接连接符 6">
-              <a:extLst>
-                <a:ext uri="{FF2B5EF4-FFF2-40B4-BE49-F238E27FC236}">
-                  <a16:creationId xmlns:a16="http://schemas.microsoft.com/office/drawing/2014/main" id="{E765184B-FD40-2982-B3EF-496FD7AF5D8F}"/>
-                </a:ext>
-              </a:extLst>
-            </p:cNvPr>
-            <p:cNvCxnSpPr>
-              <a:cxnSpLocks/>
-            </p:cNvCxnSpPr>
-            <p:nvPr/>
-          </p:nvCxnSpPr>
-          <p:spPr>
-            <a:xfrm>
-              <a:off x="5129048" y="2879835"/>
-              <a:ext cx="0" cy="2186151"/>
-            </a:xfrm>
-            <a:prstGeom prst="line">
-              <a:avLst/>
-            </a:prstGeom>
-            <a:ln w="38100">
-              <a:solidFill>
-                <a:srgbClr val="FF0000"/>
-              </a:solidFill>
-              <a:prstDash val="sysDash"/>
+            <a:solidFill>
+              <a:schemeClr val="bg1"/>
+            </a:solidFill>
+            <a:ln>
+              <a:noFill/>
             </a:ln>
           </p:spPr>
           <p:style>
-            <a:lnRef idx="1">
-              <a:schemeClr val="accent1"/>
+            <a:lnRef idx="2">
+              <a:schemeClr val="accent1">
+                <a:shade val="15000"/>
+              </a:schemeClr>
             </a:lnRef>
-            <a:fillRef idx="0">
+            <a:fillRef idx="1">
               <a:schemeClr val="accent1"/>
             </a:fillRef>
             <a:effectRef idx="0">
               <a:schemeClr val="accent1"/>
             </a:effectRef>
             <a:fontRef idx="minor">
-              <a:schemeClr val="tx1"/>
+              <a:schemeClr val="lt1"/>
             </a:fontRef>
           </p:style>
-        </p:cxnSp>
-        <p:sp>
-          <p:nvSpPr>
-            <p:cNvPr id="10" name="文本框 9">
-              <a:extLst>
-                <a:ext uri="{FF2B5EF4-FFF2-40B4-BE49-F238E27FC236}">
-                  <a16:creationId xmlns:a16="http://schemas.microsoft.com/office/drawing/2014/main" id="{3BD4099B-9B3A-4A54-D07A-90584062EB89}"/>
-                </a:ext>
-              </a:extLst>
-            </p:cNvPr>
-            <p:cNvSpPr txBox="1"/>
-            <p:nvPr/>
-          </p:nvSpPr>
-          <p:spPr>
-            <a:xfrm>
-              <a:off x="4571042" y="2291650"/>
-              <a:ext cx="1116011" cy="461665"/>
-            </a:xfrm>
-            <a:prstGeom prst="rect">
-              <a:avLst/>
-            </a:prstGeom>
-            <a:noFill/>
-          </p:spPr>
           <p:txBody>
-            <a:bodyPr wrap="none" rtlCol="0">
-              <a:spAutoFit/>
-            </a:bodyPr>
+            <a:bodyPr rtlCol="0" anchor="ctr"/>
             <a:lstStyle/>
             <a:p>
-              <a:r>
-                <a:rPr lang="en-US" altLang="zh-CN" sz="2400" dirty="0">
-                  <a:solidFill>
-                    <a:srgbClr val="FF0000"/>
-                  </a:solidFill>
-                  <a:latin typeface="Times New Roman" panose="02020603050405020304" pitchFamily="18" charset="0"/>
-                  <a:cs typeface="Times New Roman" panose="02020603050405020304" pitchFamily="18" charset="0"/>
-                </a:rPr>
-                <a:t>637 nm</a:t>
-              </a:r>
-              <a:endParaRPr lang="zh-CN" altLang="en-US" sz="2400" dirty="0">
-                <a:solidFill>
-                  <a:srgbClr val="FF0000"/>
-                </a:solidFill>
-                <a:latin typeface="Times New Roman" panose="02020603050405020304" pitchFamily="18" charset="0"/>
-                <a:cs typeface="Times New Roman" panose="02020603050405020304" pitchFamily="18" charset="0"/>
-              </a:endParaRPr>
-            </a:p>
-          </p:txBody>
-        </p:sp>
-        <p:cxnSp>
-          <p:nvCxnSpPr>
-            <p:cNvPr id="11" name="直接连接符 10">
-              <a:extLst>
-                <a:ext uri="{FF2B5EF4-FFF2-40B4-BE49-F238E27FC236}">
-                  <a16:creationId xmlns:a16="http://schemas.microsoft.com/office/drawing/2014/main" id="{7D931065-B921-624A-8DED-88F25FA455AE}"/>
-                </a:ext>
-              </a:extLst>
-            </p:cNvPr>
-            <p:cNvCxnSpPr>
-              <a:cxnSpLocks/>
-            </p:cNvCxnSpPr>
-            <p:nvPr/>
-          </p:nvCxnSpPr>
-          <p:spPr>
-            <a:xfrm>
-              <a:off x="2443655" y="2522483"/>
-              <a:ext cx="0" cy="2543503"/>
-            </a:xfrm>
-            <a:prstGeom prst="line">
-              <a:avLst/>
-            </a:prstGeom>
-            <a:ln w="38100">
-              <a:solidFill>
-                <a:srgbClr val="0203F3"/>
-              </a:solidFill>
-              <a:prstDash val="sysDash"/>
-            </a:ln>
-          </p:spPr>
-          <p:style>
-            <a:lnRef idx="1">
-              <a:schemeClr val="accent1"/>
-            </a:lnRef>
-            <a:fillRef idx="0">
-              <a:schemeClr val="accent1"/>
-            </a:fillRef>
-            <a:effectRef idx="0">
-              <a:schemeClr val="accent1"/>
-            </a:effectRef>
-            <a:fontRef idx="minor">
-              <a:schemeClr val="tx1"/>
-            </a:fontRef>
-          </p:style>
-        </p:cxnSp>
-        <p:sp>
-          <p:nvSpPr>
-            <p:cNvPr id="13" name="文本框 12">
-              <a:extLst>
-                <a:ext uri="{FF2B5EF4-FFF2-40B4-BE49-F238E27FC236}">
-                  <a16:creationId xmlns:a16="http://schemas.microsoft.com/office/drawing/2014/main" id="{37020C41-2A40-1A70-1084-AEE395ECA476}"/>
-                </a:ext>
-              </a:extLst>
-            </p:cNvPr>
-            <p:cNvSpPr txBox="1"/>
-            <p:nvPr/>
-          </p:nvSpPr>
-          <p:spPr>
-            <a:xfrm>
-              <a:off x="1963395" y="2027778"/>
-              <a:ext cx="1116011" cy="461665"/>
-            </a:xfrm>
-            <a:prstGeom prst="rect">
-              <a:avLst/>
-            </a:prstGeom>
-            <a:noFill/>
-          </p:spPr>
-          <p:txBody>
-            <a:bodyPr wrap="none" rtlCol="0">
-              <a:spAutoFit/>
-            </a:bodyPr>
-            <a:lstStyle/>
-            <a:p>
-              <a:r>
-                <a:rPr lang="en-US" altLang="zh-CN" sz="2400" dirty="0">
-                  <a:solidFill>
-                    <a:srgbClr val="0203F3"/>
-                  </a:solidFill>
-                  <a:latin typeface="Times New Roman" panose="02020603050405020304" pitchFamily="18" charset="0"/>
-                  <a:cs typeface="Times New Roman" panose="02020603050405020304" pitchFamily="18" charset="0"/>
-                </a:rPr>
-                <a:t>575 nm</a:t>
-              </a:r>
-              <a:endParaRPr lang="zh-CN" altLang="en-US" sz="2400" dirty="0">
-                <a:solidFill>
-                  <a:srgbClr val="0203F3"/>
-                </a:solidFill>
-                <a:latin typeface="Times New Roman" panose="02020603050405020304" pitchFamily="18" charset="0"/>
-                <a:cs typeface="Times New Roman" panose="02020603050405020304" pitchFamily="18" charset="0"/>
-              </a:endParaRPr>
+              <a:pPr algn="ctr"/>
+              <a:endParaRPr lang="zh-CN" altLang="en-US"/>
             </a:p>
           </p:txBody>
         </p:sp>
